--- a/PBL3.pptx
+++ b/PBL3.pptx
@@ -18,6 +18,8 @@
     <p:sldId id="266" r:id="rId26"/>
     <p:sldId id="267" r:id="rId27"/>
     <p:sldId id="268" r:id="rId28"/>
+    <p:sldId id="269" r:id="rId29"/>
+    <p:sldId id="270" r:id="rId30"/>
   </p:sldIdLst>
   <p:sldSz cx="18288000" cy="10287000"/>
   <p:notesSz cx="6858000" cy="9144000"/>
@@ -3728,24 +3730,49 @@
         </p:nvPicPr>
         <p:blipFill>
           <a:blip r:embed="rId3"/>
-          <a:srcRect l="0" t="0" r="0" b="46640"/>
+          <a:srcRect l="0" t="1275" r="3034" b="3827"/>
           <a:stretch>
             <a:fillRect/>
           </a:stretch>
         </p:blipFill>
         <p:spPr>
           <a:xfrm flipH="false" flipV="false" rot="0">
-            <a:off x="1291844" y="2731580"/>
-            <a:ext cx="15704311" cy="5054471"/>
+            <a:off x="1028700" y="2232874"/>
+            <a:ext cx="6614668" cy="4738403"/>
           </a:xfrm>
           <a:prstGeom prst="rect">
             <a:avLst/>
           </a:prstGeom>
         </p:spPr>
       </p:pic>
-      <p:sp>
-        <p:nvSpPr>
-          <p:cNvPr name="TextBox 4" id="4"/>
+      <p:pic>
+        <p:nvPicPr>
+          <p:cNvPr name="Picture 4" id="4"/>
+          <p:cNvPicPr>
+            <a:picLocks noChangeAspect="true"/>
+          </p:cNvPicPr>
+          <p:nvPr/>
+        </p:nvPicPr>
+        <p:blipFill>
+          <a:blip r:embed="rId4"/>
+          <a:srcRect l="0" t="1966" r="0" b="0"/>
+          <a:stretch>
+            <a:fillRect/>
+          </a:stretch>
+        </p:blipFill>
+        <p:spPr>
+          <a:xfrm flipH="false" flipV="false" rot="0">
+            <a:off x="8275918" y="2721241"/>
+            <a:ext cx="8983382" cy="3968684"/>
+          </a:xfrm>
+          <a:prstGeom prst="rect">
+            <a:avLst/>
+          </a:prstGeom>
+        </p:spPr>
+      </p:pic>
+      <p:sp>
+        <p:nvSpPr>
+          <p:cNvPr name="TextBox 5" id="5"/>
           <p:cNvSpPr txBox="true"/>
           <p:nvPr/>
         </p:nvSpPr>
@@ -3783,7 +3810,7 @@
       </p:sp>
       <p:sp>
         <p:nvSpPr>
-          <p:cNvPr name="TextBox 5" id="5"/>
+          <p:cNvPr name="TextBox 6" id="6"/>
           <p:cNvSpPr txBox="true"/>
           <p:nvPr/>
         </p:nvSpPr>
@@ -3814,7 +3841,7 @@
                 </a:solidFill>
                 <a:latin typeface="Saira Condensed Medium"/>
               </a:rPr>
-              <a:t>Giao diện quản lí kho</a:t>
+              <a:t>Các chức năng chính của quản lí</a:t>
             </a:r>
           </a:p>
         </p:txBody>
@@ -3879,15 +3906,15 @@
         </p:nvPicPr>
         <p:blipFill>
           <a:blip r:embed="rId3"/>
-          <a:srcRect l="0" t="0" r="0" b="0"/>
+          <a:srcRect l="11614" t="16462" r="11763" b="16673"/>
           <a:stretch>
             <a:fillRect/>
           </a:stretch>
         </p:blipFill>
         <p:spPr>
           <a:xfrm flipH="false" flipV="false" rot="0">
-            <a:off x="4247666" y="2190156"/>
-            <a:ext cx="9792668" cy="5906689"/>
+            <a:off x="3403104" y="2175716"/>
+            <a:ext cx="11481792" cy="7082584"/>
           </a:xfrm>
           <a:prstGeom prst="rect">
             <a:avLst/>
@@ -3928,44 +3955,6 @@
                 <a:latin typeface="Saira Condensed Medium"/>
               </a:rPr>
               <a:t>Về phần mềm</a:t>
-            </a:r>
-          </a:p>
-        </p:txBody>
-      </p:sp>
-      <p:sp>
-        <p:nvSpPr>
-          <p:cNvPr name="TextBox 5" id="5"/>
-          <p:cNvSpPr txBox="true"/>
-          <p:nvPr/>
-        </p:nvSpPr>
-        <p:spPr>
-          <a:xfrm rot="0">
-            <a:off x="2603129" y="8436534"/>
-            <a:ext cx="13081741" cy="821766"/>
-          </a:xfrm>
-          <a:prstGeom prst="rect">
-            <a:avLst/>
-          </a:prstGeom>
-        </p:spPr>
-        <p:txBody>
-          <a:bodyPr anchor="t" rtlCol="false" tIns="0" lIns="0" bIns="0" rIns="0">
-            <a:spAutoFit/>
-          </a:bodyPr>
-          <a:lstStyle/>
-          <a:p>
-            <a:pPr algn="ctr">
-              <a:lnSpc>
-                <a:spcPts val="6352"/>
-              </a:lnSpc>
-            </a:pPr>
-            <a:r>
-              <a:rPr lang="en-US" sz="5722">
-                <a:solidFill>
-                  <a:srgbClr val="FFFFFF"/>
-                </a:solidFill>
-                <a:latin typeface="Saira Condensed Medium"/>
-              </a:rPr>
-              <a:t>Giao diện quản lí mã giảm giá</a:t>
             </a:r>
           </a:p>
         </p:txBody>
@@ -4020,6 +4009,308 @@
           </a:prstGeom>
         </p:spPr>
       </p:pic>
+      <p:pic>
+        <p:nvPicPr>
+          <p:cNvPr name="Picture 3" id="3"/>
+          <p:cNvPicPr>
+            <a:picLocks noChangeAspect="true"/>
+          </p:cNvPicPr>
+          <p:nvPr/>
+        </p:nvPicPr>
+        <p:blipFill>
+          <a:blip r:embed="rId3"/>
+          <a:srcRect l="0" t="0" r="0" b="46640"/>
+          <a:stretch>
+            <a:fillRect/>
+          </a:stretch>
+        </p:blipFill>
+        <p:spPr>
+          <a:xfrm flipH="false" flipV="false" rot="0">
+            <a:off x="1291844" y="2731580"/>
+            <a:ext cx="15704311" cy="5054471"/>
+          </a:xfrm>
+          <a:prstGeom prst="rect">
+            <a:avLst/>
+          </a:prstGeom>
+        </p:spPr>
+      </p:pic>
+      <p:sp>
+        <p:nvSpPr>
+          <p:cNvPr name="TextBox 4" id="4"/>
+          <p:cNvSpPr txBox="true"/>
+          <p:nvPr/>
+        </p:nvSpPr>
+        <p:spPr>
+          <a:xfrm rot="0">
+            <a:off x="0" y="656447"/>
+            <a:ext cx="18288000" cy="1139190"/>
+          </a:xfrm>
+          <a:prstGeom prst="rect">
+            <a:avLst/>
+          </a:prstGeom>
+        </p:spPr>
+        <p:txBody>
+          <a:bodyPr anchor="t" rtlCol="false" tIns="0" lIns="0" bIns="0" rIns="0">
+            <a:spAutoFit/>
+          </a:bodyPr>
+          <a:lstStyle/>
+          <a:p>
+            <a:pPr algn="ctr">
+              <a:lnSpc>
+                <a:spcPts val="8880"/>
+              </a:lnSpc>
+            </a:pPr>
+            <a:r>
+              <a:rPr lang="en-US" sz="8000">
+                <a:solidFill>
+                  <a:srgbClr val="FFFFFF"/>
+                </a:solidFill>
+                <a:latin typeface="Saira Condensed Medium"/>
+              </a:rPr>
+              <a:t>Về phần mềm</a:t>
+            </a:r>
+          </a:p>
+        </p:txBody>
+      </p:sp>
+      <p:sp>
+        <p:nvSpPr>
+          <p:cNvPr name="TextBox 5" id="5"/>
+          <p:cNvSpPr txBox="true"/>
+          <p:nvPr/>
+        </p:nvSpPr>
+        <p:spPr>
+          <a:xfrm rot="0">
+            <a:off x="2603129" y="8218812"/>
+            <a:ext cx="13081741" cy="821766"/>
+          </a:xfrm>
+          <a:prstGeom prst="rect">
+            <a:avLst/>
+          </a:prstGeom>
+        </p:spPr>
+        <p:txBody>
+          <a:bodyPr anchor="t" rtlCol="false" tIns="0" lIns="0" bIns="0" rIns="0">
+            <a:spAutoFit/>
+          </a:bodyPr>
+          <a:lstStyle/>
+          <a:p>
+            <a:pPr algn="ctr">
+              <a:lnSpc>
+                <a:spcPts val="6352"/>
+              </a:lnSpc>
+            </a:pPr>
+            <a:r>
+              <a:rPr lang="en-US" sz="5722">
+                <a:solidFill>
+                  <a:srgbClr val="FFFFFF"/>
+                </a:solidFill>
+                <a:latin typeface="Saira Condensed Medium"/>
+              </a:rPr>
+              <a:t>Giao diện quản lí kho</a:t>
+            </a:r>
+          </a:p>
+        </p:txBody>
+      </p:sp>
+    </p:spTree>
+  </p:cSld>
+  <p:clrMapOvr>
+    <a:masterClrMapping/>
+  </p:clrMapOvr>
+</p:sld>
+</file>
+
+<file path=ppt/slides/slide13.xml><?xml version="1.0" encoding="utf-8"?>
+<p:sld xmlns:p="http://schemas.openxmlformats.org/presentationml/2006/main" xmlns:a="http://schemas.openxmlformats.org/drawingml/2006/main" xmlns:r="http://schemas.openxmlformats.org/officeDocument/2006/relationships">
+  <p:cSld>
+    <p:spTree>
+      <p:nvGrpSpPr>
+        <p:cNvPr id="1" name=""/>
+        <p:cNvGrpSpPr/>
+        <p:nvPr/>
+      </p:nvGrpSpPr>
+      <p:grpSpPr>
+        <a:xfrm>
+          <a:off x="0" y="0"/>
+          <a:ext cx="0" cy="0"/>
+          <a:chOff x="0" y="0"/>
+          <a:chExt cx="0" cy="0"/>
+        </a:xfrm>
+      </p:grpSpPr>
+      <p:pic>
+        <p:nvPicPr>
+          <p:cNvPr name="Picture 2" id="2"/>
+          <p:cNvPicPr>
+            <a:picLocks noChangeAspect="true"/>
+          </p:cNvPicPr>
+          <p:nvPr/>
+        </p:nvPicPr>
+        <p:blipFill>
+          <a:blip r:embed="rId2"/>
+          <a:srcRect l="0" t="0" r="0" b="0"/>
+          <a:stretch>
+            <a:fillRect/>
+          </a:stretch>
+        </p:blipFill>
+        <p:spPr>
+          <a:xfrm>
+            <a:off x="0" y="0"/>
+            <a:ext cx="18288000" cy="10287000"/>
+          </a:xfrm>
+          <a:prstGeom prst="rect">
+            <a:avLst/>
+          </a:prstGeom>
+        </p:spPr>
+      </p:pic>
+      <p:pic>
+        <p:nvPicPr>
+          <p:cNvPr name="Picture 3" id="3"/>
+          <p:cNvPicPr>
+            <a:picLocks noChangeAspect="true"/>
+          </p:cNvPicPr>
+          <p:nvPr/>
+        </p:nvPicPr>
+        <p:blipFill>
+          <a:blip r:embed="rId3"/>
+          <a:srcRect l="0" t="0" r="0" b="0"/>
+          <a:stretch>
+            <a:fillRect/>
+          </a:stretch>
+        </p:blipFill>
+        <p:spPr>
+          <a:xfrm flipH="false" flipV="false" rot="0">
+            <a:off x="4247666" y="2190156"/>
+            <a:ext cx="9792668" cy="5906689"/>
+          </a:xfrm>
+          <a:prstGeom prst="rect">
+            <a:avLst/>
+          </a:prstGeom>
+        </p:spPr>
+      </p:pic>
+      <p:sp>
+        <p:nvSpPr>
+          <p:cNvPr name="TextBox 4" id="4"/>
+          <p:cNvSpPr txBox="true"/>
+          <p:nvPr/>
+        </p:nvSpPr>
+        <p:spPr>
+          <a:xfrm rot="0">
+            <a:off x="0" y="656447"/>
+            <a:ext cx="18288000" cy="1139190"/>
+          </a:xfrm>
+          <a:prstGeom prst="rect">
+            <a:avLst/>
+          </a:prstGeom>
+        </p:spPr>
+        <p:txBody>
+          <a:bodyPr anchor="t" rtlCol="false" tIns="0" lIns="0" bIns="0" rIns="0">
+            <a:spAutoFit/>
+          </a:bodyPr>
+          <a:lstStyle/>
+          <a:p>
+            <a:pPr algn="ctr">
+              <a:lnSpc>
+                <a:spcPts val="8880"/>
+              </a:lnSpc>
+            </a:pPr>
+            <a:r>
+              <a:rPr lang="en-US" sz="8000">
+                <a:solidFill>
+                  <a:srgbClr val="FFFFFF"/>
+                </a:solidFill>
+                <a:latin typeface="Saira Condensed Medium"/>
+              </a:rPr>
+              <a:t>Về phần mềm</a:t>
+            </a:r>
+          </a:p>
+        </p:txBody>
+      </p:sp>
+      <p:sp>
+        <p:nvSpPr>
+          <p:cNvPr name="TextBox 5" id="5"/>
+          <p:cNvSpPr txBox="true"/>
+          <p:nvPr/>
+        </p:nvSpPr>
+        <p:spPr>
+          <a:xfrm rot="0">
+            <a:off x="2603129" y="8436534"/>
+            <a:ext cx="13081741" cy="821766"/>
+          </a:xfrm>
+          <a:prstGeom prst="rect">
+            <a:avLst/>
+          </a:prstGeom>
+        </p:spPr>
+        <p:txBody>
+          <a:bodyPr anchor="t" rtlCol="false" tIns="0" lIns="0" bIns="0" rIns="0">
+            <a:spAutoFit/>
+          </a:bodyPr>
+          <a:lstStyle/>
+          <a:p>
+            <a:pPr algn="ctr">
+              <a:lnSpc>
+                <a:spcPts val="6352"/>
+              </a:lnSpc>
+            </a:pPr>
+            <a:r>
+              <a:rPr lang="en-US" sz="5722">
+                <a:solidFill>
+                  <a:srgbClr val="FFFFFF"/>
+                </a:solidFill>
+                <a:latin typeface="Saira Condensed Medium"/>
+              </a:rPr>
+              <a:t>Giao diện quản lí mã giảm giá</a:t>
+            </a:r>
+          </a:p>
+        </p:txBody>
+      </p:sp>
+    </p:spTree>
+  </p:cSld>
+  <p:clrMapOvr>
+    <a:masterClrMapping/>
+  </p:clrMapOvr>
+</p:sld>
+</file>
+
+<file path=ppt/slides/slide14.xml><?xml version="1.0" encoding="utf-8"?>
+<p:sld xmlns:p="http://schemas.openxmlformats.org/presentationml/2006/main" xmlns:a="http://schemas.openxmlformats.org/drawingml/2006/main" xmlns:r="http://schemas.openxmlformats.org/officeDocument/2006/relationships">
+  <p:cSld>
+    <p:spTree>
+      <p:nvGrpSpPr>
+        <p:cNvPr id="1" name=""/>
+        <p:cNvGrpSpPr/>
+        <p:nvPr/>
+      </p:nvGrpSpPr>
+      <p:grpSpPr>
+        <a:xfrm>
+          <a:off x="0" y="0"/>
+          <a:ext cx="0" cy="0"/>
+          <a:chOff x="0" y="0"/>
+          <a:chExt cx="0" cy="0"/>
+        </a:xfrm>
+      </p:grpSpPr>
+      <p:pic>
+        <p:nvPicPr>
+          <p:cNvPr name="Picture 2" id="2"/>
+          <p:cNvPicPr>
+            <a:picLocks noChangeAspect="true"/>
+          </p:cNvPicPr>
+          <p:nvPr/>
+        </p:nvPicPr>
+        <p:blipFill>
+          <a:blip r:embed="rId2"/>
+          <a:srcRect l="0" t="0" r="0" b="0"/>
+          <a:stretch>
+            <a:fillRect/>
+          </a:stretch>
+        </p:blipFill>
+        <p:spPr>
+          <a:xfrm>
+            <a:off x="0" y="0"/>
+            <a:ext cx="18288000" cy="10287000"/>
+          </a:xfrm>
+          <a:prstGeom prst="rect">
+            <a:avLst/>
+          </a:prstGeom>
+        </p:spPr>
+      </p:pic>
       <p:sp>
         <p:nvSpPr>
           <p:cNvPr name="AutoShape 3" id="3"/>
@@ -4276,7 +4567,7 @@
 </p:sld>
 </file>
 
-<file path=ppt/slides/slide13.xml><?xml version="1.0" encoding="utf-8"?>
+<file path=ppt/slides/slide15.xml><?xml version="1.0" encoding="utf-8"?>
 <p:sld xmlns:p="http://schemas.openxmlformats.org/presentationml/2006/main" xmlns:a="http://schemas.openxmlformats.org/drawingml/2006/main" xmlns:r="http://schemas.openxmlformats.org/officeDocument/2006/relationships">
   <p:cSld>
     <p:spTree>
@@ -5715,6 +6006,341 @@
         </p:nvSpPr>
         <p:spPr>
           <a:xfrm rot="0">
+            <a:off x="9144000" y="1996196"/>
+            <a:ext cx="9336213" cy="0"/>
+          </a:xfrm>
+          <a:prstGeom prst="line">
+            <a:avLst/>
+          </a:prstGeom>
+          <a:ln cap="flat" w="47625">
+            <a:solidFill>
+              <a:srgbClr val="FFFFFF"/>
+            </a:solidFill>
+            <a:prstDash val="solid"/>
+            <a:headEnd type="oval" len="lg" w="lg"/>
+            <a:tailEnd type="oval" len="lg" w="lg"/>
+          </a:ln>
+        </p:spPr>
+      </p:sp>
+      <p:pic>
+        <p:nvPicPr>
+          <p:cNvPr name="Picture 4" id="4"/>
+          <p:cNvPicPr>
+            <a:picLocks noChangeAspect="true"/>
+          </p:cNvPicPr>
+          <p:nvPr/>
+        </p:nvPicPr>
+        <p:blipFill>
+          <a:blip r:embed="rId3"/>
+          <a:srcRect l="0" t="0" r="0" b="0"/>
+          <a:stretch>
+            <a:fillRect/>
+          </a:stretch>
+        </p:blipFill>
+        <p:spPr>
+          <a:xfrm flipH="false" flipV="false" rot="0">
+            <a:off x="1209212" y="3366790"/>
+            <a:ext cx="15869576" cy="4904552"/>
+          </a:xfrm>
+          <a:prstGeom prst="rect">
+            <a:avLst/>
+          </a:prstGeom>
+        </p:spPr>
+      </p:pic>
+      <p:sp>
+        <p:nvSpPr>
+          <p:cNvPr name="TextBox 5" id="5"/>
+          <p:cNvSpPr txBox="true"/>
+          <p:nvPr/>
+        </p:nvSpPr>
+        <p:spPr>
+          <a:xfrm rot="0">
+            <a:off x="9476915" y="666505"/>
+            <a:ext cx="8811085" cy="1139190"/>
+          </a:xfrm>
+          <a:prstGeom prst="rect">
+            <a:avLst/>
+          </a:prstGeom>
+        </p:spPr>
+        <p:txBody>
+          <a:bodyPr anchor="t" rtlCol="false" tIns="0" lIns="0" bIns="0" rIns="0">
+            <a:spAutoFit/>
+          </a:bodyPr>
+          <a:lstStyle/>
+          <a:p>
+            <a:pPr algn="just">
+              <a:lnSpc>
+                <a:spcPts val="8880"/>
+              </a:lnSpc>
+            </a:pPr>
+            <a:r>
+              <a:rPr lang="en-US" sz="8000">
+                <a:solidFill>
+                  <a:srgbClr val="FFFFFF"/>
+                </a:solidFill>
+                <a:latin typeface="Saira Condensed Medium"/>
+              </a:rPr>
+              <a:t>Phân công nhiệm vụ</a:t>
+            </a:r>
+          </a:p>
+        </p:txBody>
+      </p:sp>
+    </p:spTree>
+  </p:cSld>
+  <p:clrMapOvr>
+    <a:masterClrMapping/>
+  </p:clrMapOvr>
+</p:sld>
+</file>
+
+<file path=ppt/slides/slide6.xml><?xml version="1.0" encoding="utf-8"?>
+<p:sld xmlns:p="http://schemas.openxmlformats.org/presentationml/2006/main" xmlns:a="http://schemas.openxmlformats.org/drawingml/2006/main" xmlns:r="http://schemas.openxmlformats.org/officeDocument/2006/relationships">
+  <p:cSld>
+    <p:spTree>
+      <p:nvGrpSpPr>
+        <p:cNvPr id="1" name=""/>
+        <p:cNvGrpSpPr/>
+        <p:nvPr/>
+      </p:nvGrpSpPr>
+      <p:grpSpPr>
+        <a:xfrm>
+          <a:off x="0" y="0"/>
+          <a:ext cx="0" cy="0"/>
+          <a:chOff x="0" y="0"/>
+          <a:chExt cx="0" cy="0"/>
+        </a:xfrm>
+      </p:grpSpPr>
+      <p:pic>
+        <p:nvPicPr>
+          <p:cNvPr name="Picture 2" id="2"/>
+          <p:cNvPicPr>
+            <a:picLocks noChangeAspect="true"/>
+          </p:cNvPicPr>
+          <p:nvPr/>
+        </p:nvPicPr>
+        <p:blipFill>
+          <a:blip r:embed="rId2"/>
+          <a:srcRect l="0" t="0" r="0" b="0"/>
+          <a:stretch>
+            <a:fillRect/>
+          </a:stretch>
+        </p:blipFill>
+        <p:spPr>
+          <a:xfrm>
+            <a:off x="0" y="0"/>
+            <a:ext cx="18288000" cy="10287000"/>
+          </a:xfrm>
+          <a:prstGeom prst="rect">
+            <a:avLst/>
+          </a:prstGeom>
+        </p:spPr>
+      </p:pic>
+      <p:sp>
+        <p:nvSpPr>
+          <p:cNvPr name="AutoShape 3" id="3"/>
+          <p:cNvSpPr/>
+          <p:nvPr/>
+        </p:nvSpPr>
+        <p:spPr>
+          <a:xfrm rot="0">
+            <a:off x="7590671" y="1996196"/>
+            <a:ext cx="10889542" cy="0"/>
+          </a:xfrm>
+          <a:prstGeom prst="line">
+            <a:avLst/>
+          </a:prstGeom>
+          <a:ln cap="flat" w="47625">
+            <a:solidFill>
+              <a:srgbClr val="FFFFFF"/>
+            </a:solidFill>
+            <a:prstDash val="solid"/>
+            <a:headEnd type="oval" len="lg" w="lg"/>
+            <a:tailEnd type="oval" len="lg" w="lg"/>
+          </a:ln>
+        </p:spPr>
+      </p:sp>
+      <p:sp>
+        <p:nvSpPr>
+          <p:cNvPr name="TextBox 4" id="4"/>
+          <p:cNvSpPr txBox="true"/>
+          <p:nvPr/>
+        </p:nvSpPr>
+        <p:spPr>
+          <a:xfrm rot="0">
+            <a:off x="7590671" y="666505"/>
+            <a:ext cx="10697329" cy="1139190"/>
+          </a:xfrm>
+          <a:prstGeom prst="rect">
+            <a:avLst/>
+          </a:prstGeom>
+        </p:spPr>
+        <p:txBody>
+          <a:bodyPr anchor="t" rtlCol="false" tIns="0" lIns="0" bIns="0" rIns="0">
+            <a:spAutoFit/>
+          </a:bodyPr>
+          <a:lstStyle/>
+          <a:p>
+            <a:pPr algn="just">
+              <a:lnSpc>
+                <a:spcPts val="8880"/>
+              </a:lnSpc>
+            </a:pPr>
+            <a:r>
+              <a:rPr lang="en-US" sz="8000">
+                <a:solidFill>
+                  <a:srgbClr val="FFFFFF"/>
+                </a:solidFill>
+                <a:latin typeface="Saira Condensed Medium"/>
+              </a:rPr>
+              <a:t>Phân tích nghiệp vụ hệ thống</a:t>
+            </a:r>
+          </a:p>
+        </p:txBody>
+      </p:sp>
+      <p:sp>
+        <p:nvSpPr>
+          <p:cNvPr name="TextBox 5" id="5"/>
+          <p:cNvSpPr txBox="true"/>
+          <p:nvPr/>
+        </p:nvSpPr>
+        <p:spPr>
+          <a:xfrm rot="0">
+            <a:off x="1028700" y="2012961"/>
+            <a:ext cx="16230600" cy="7483475"/>
+          </a:xfrm>
+          <a:prstGeom prst="rect">
+            <a:avLst/>
+          </a:prstGeom>
+        </p:spPr>
+        <p:txBody>
+          <a:bodyPr anchor="t" rtlCol="false" tIns="0" lIns="0" bIns="0" rIns="0">
+            <a:spAutoFit/>
+          </a:bodyPr>
+          <a:lstStyle/>
+          <a:p>
+            <a:pPr algn="just">
+              <a:lnSpc>
+                <a:spcPts val="10000"/>
+              </a:lnSpc>
+            </a:pPr>
+            <a:r>
+              <a:rPr lang="en-US" sz="5000">
+                <a:solidFill>
+                  <a:srgbClr val="FFFFFF"/>
+                </a:solidFill>
+                <a:latin typeface="Saira Condensed Medium"/>
+              </a:rPr>
+              <a:t>- Hỗ trợ cho việc đưa ra nhận xét và kết quả thống kê doanh thu và chi tiêu của quán.</a:t>
+            </a:r>
+          </a:p>
+          <a:p>
+            <a:pPr algn="just">
+              <a:lnSpc>
+                <a:spcPts val="10000"/>
+              </a:lnSpc>
+            </a:pPr>
+            <a:r>
+              <a:rPr lang="en-US" sz="5000">
+                <a:solidFill>
+                  <a:srgbClr val="FFFFFF"/>
+                </a:solidFill>
+                <a:latin typeface="Saira Condensed Medium"/>
+              </a:rPr>
+              <a:t>- Hỗ trợ việc xác định bàn thuộc khu vực nào trong quán, món trong thực đơn thuộc loại món nào.</a:t>
+            </a:r>
+          </a:p>
+          <a:p>
+            <a:pPr algn="just">
+              <a:lnSpc>
+                <a:spcPts val="10000"/>
+              </a:lnSpc>
+            </a:pPr>
+            <a:r>
+              <a:rPr lang="en-US" sz="5000">
+                <a:solidFill>
+                  <a:srgbClr val="FFFFFF"/>
+                </a:solidFill>
+                <a:latin typeface="Saira Condensed Medium"/>
+              </a:rPr>
+              <a:t>- Hỗ trợ việc kiểm tra kho dự trữ hàng hóa.</a:t>
+            </a:r>
+          </a:p>
+          <a:p>
+            <a:pPr algn="just">
+              <a:lnSpc>
+                <a:spcPts val="10000"/>
+              </a:lnSpc>
+            </a:pPr>
+            <a:r>
+              <a:rPr lang="en-US" sz="5000">
+                <a:solidFill>
+                  <a:srgbClr val="FFFFFF"/>
+                </a:solidFill>
+                <a:latin typeface="Saira Condensed Medium"/>
+              </a:rPr>
+              <a:t>- Hỗ trợ chức năng in ấn phiếu chi và hóa đơn thanh toán.</a:t>
+            </a:r>
+          </a:p>
+        </p:txBody>
+      </p:sp>
+    </p:spTree>
+  </p:cSld>
+  <p:clrMapOvr>
+    <a:masterClrMapping/>
+  </p:clrMapOvr>
+</p:sld>
+</file>
+
+<file path=ppt/slides/slide7.xml><?xml version="1.0" encoding="utf-8"?>
+<p:sld xmlns:p="http://schemas.openxmlformats.org/presentationml/2006/main" xmlns:a="http://schemas.openxmlformats.org/drawingml/2006/main" xmlns:r="http://schemas.openxmlformats.org/officeDocument/2006/relationships">
+  <p:cSld>
+    <p:spTree>
+      <p:nvGrpSpPr>
+        <p:cNvPr id="1" name=""/>
+        <p:cNvGrpSpPr/>
+        <p:nvPr/>
+      </p:nvGrpSpPr>
+      <p:grpSpPr>
+        <a:xfrm>
+          <a:off x="0" y="0"/>
+          <a:ext cx="0" cy="0"/>
+          <a:chOff x="0" y="0"/>
+          <a:chExt cx="0" cy="0"/>
+        </a:xfrm>
+      </p:grpSpPr>
+      <p:pic>
+        <p:nvPicPr>
+          <p:cNvPr name="Picture 2" id="2"/>
+          <p:cNvPicPr>
+            <a:picLocks noChangeAspect="true"/>
+          </p:cNvPicPr>
+          <p:nvPr/>
+        </p:nvPicPr>
+        <p:blipFill>
+          <a:blip r:embed="rId2"/>
+          <a:srcRect l="0" t="0" r="0" b="0"/>
+          <a:stretch>
+            <a:fillRect/>
+          </a:stretch>
+        </p:blipFill>
+        <p:spPr>
+          <a:xfrm>
+            <a:off x="0" y="0"/>
+            <a:ext cx="18288000" cy="10287000"/>
+          </a:xfrm>
+          <a:prstGeom prst="rect">
+            <a:avLst/>
+          </a:prstGeom>
+        </p:spPr>
+      </p:pic>
+      <p:sp>
+        <p:nvSpPr>
+          <p:cNvPr name="AutoShape 3" id="3"/>
+          <p:cNvSpPr/>
+          <p:nvPr/>
+        </p:nvSpPr>
+        <p:spPr>
+          <a:xfrm rot="0">
             <a:off x="9144000" y="5822633"/>
             <a:ext cx="9336213" cy="0"/>
           </a:xfrm>
@@ -5811,7 +6437,7 @@
 </p:sld>
 </file>
 
-<file path=ppt/slides/slide6.xml><?xml version="1.0" encoding="utf-8"?>
+<file path=ppt/slides/slide8.xml><?xml version="1.0" encoding="utf-8"?>
 <p:sld xmlns:p="http://schemas.openxmlformats.org/presentationml/2006/main" xmlns:a="http://schemas.openxmlformats.org/drawingml/2006/main" xmlns:r="http://schemas.openxmlformats.org/officeDocument/2006/relationships">
   <p:cSld>
     <p:spTree>
@@ -6026,295 +6652,6 @@
 </p:sld>
 </file>
 
-<file path=ppt/slides/slide7.xml><?xml version="1.0" encoding="utf-8"?>
-<p:sld xmlns:p="http://schemas.openxmlformats.org/presentationml/2006/main" xmlns:a="http://schemas.openxmlformats.org/drawingml/2006/main" xmlns:r="http://schemas.openxmlformats.org/officeDocument/2006/relationships">
-  <p:cSld>
-    <p:spTree>
-      <p:nvGrpSpPr>
-        <p:cNvPr id="1" name=""/>
-        <p:cNvGrpSpPr/>
-        <p:nvPr/>
-      </p:nvGrpSpPr>
-      <p:grpSpPr>
-        <a:xfrm>
-          <a:off x="0" y="0"/>
-          <a:ext cx="0" cy="0"/>
-          <a:chOff x="0" y="0"/>
-          <a:chExt cx="0" cy="0"/>
-        </a:xfrm>
-      </p:grpSpPr>
-      <p:pic>
-        <p:nvPicPr>
-          <p:cNvPr name="Picture 2" id="2"/>
-          <p:cNvPicPr>
-            <a:picLocks noChangeAspect="true"/>
-          </p:cNvPicPr>
-          <p:nvPr/>
-        </p:nvPicPr>
-        <p:blipFill>
-          <a:blip r:embed="rId2"/>
-          <a:srcRect l="0" t="0" r="0" b="0"/>
-          <a:stretch>
-            <a:fillRect/>
-          </a:stretch>
-        </p:blipFill>
-        <p:spPr>
-          <a:xfrm>
-            <a:off x="0" y="0"/>
-            <a:ext cx="18288000" cy="10287000"/>
-          </a:xfrm>
-          <a:prstGeom prst="rect">
-            <a:avLst/>
-          </a:prstGeom>
-        </p:spPr>
-      </p:pic>
-      <p:pic>
-        <p:nvPicPr>
-          <p:cNvPr name="Picture 3" id="3"/>
-          <p:cNvPicPr>
-            <a:picLocks noChangeAspect="true"/>
-          </p:cNvPicPr>
-          <p:nvPr/>
-        </p:nvPicPr>
-        <p:blipFill>
-          <a:blip r:embed="rId3"/>
-          <a:srcRect l="0" t="590" r="0" b="0"/>
-          <a:stretch>
-            <a:fillRect/>
-          </a:stretch>
-        </p:blipFill>
-        <p:spPr>
-          <a:xfrm flipH="false" flipV="false" rot="0">
-            <a:off x="3406358" y="1684168"/>
-            <a:ext cx="11475284" cy="8039570"/>
-          </a:xfrm>
-          <a:prstGeom prst="rect">
-            <a:avLst/>
-          </a:prstGeom>
-        </p:spPr>
-      </p:pic>
-      <p:sp>
-        <p:nvSpPr>
-          <p:cNvPr name="TextBox 4" id="4"/>
-          <p:cNvSpPr txBox="true"/>
-          <p:nvPr/>
-        </p:nvSpPr>
-        <p:spPr>
-          <a:xfrm rot="0">
-            <a:off x="0" y="353887"/>
-            <a:ext cx="18288000" cy="1139190"/>
-          </a:xfrm>
-          <a:prstGeom prst="rect">
-            <a:avLst/>
-          </a:prstGeom>
-        </p:spPr>
-        <p:txBody>
-          <a:bodyPr anchor="t" rtlCol="false" tIns="0" lIns="0" bIns="0" rIns="0">
-            <a:spAutoFit/>
-          </a:bodyPr>
-          <a:lstStyle/>
-          <a:p>
-            <a:pPr algn="ctr">
-              <a:lnSpc>
-                <a:spcPts val="8880"/>
-              </a:lnSpc>
-            </a:pPr>
-            <a:r>
-              <a:rPr lang="en-US" sz="8000">
-                <a:solidFill>
-                  <a:srgbClr val="FFFFFF"/>
-                </a:solidFill>
-                <a:latin typeface="Saira Condensed Medium"/>
-              </a:rPr>
-              <a:t>Về phần mềm</a:t>
-            </a:r>
-          </a:p>
-        </p:txBody>
-      </p:sp>
-    </p:spTree>
-  </p:cSld>
-  <p:clrMapOvr>
-    <a:masterClrMapping/>
-  </p:clrMapOvr>
-</p:sld>
-</file>
-
-<file path=ppt/slides/slide8.xml><?xml version="1.0" encoding="utf-8"?>
-<p:sld xmlns:p="http://schemas.openxmlformats.org/presentationml/2006/main" xmlns:a="http://schemas.openxmlformats.org/drawingml/2006/main" xmlns:r="http://schemas.openxmlformats.org/officeDocument/2006/relationships">
-  <p:cSld>
-    <p:spTree>
-      <p:nvGrpSpPr>
-        <p:cNvPr id="1" name=""/>
-        <p:cNvGrpSpPr/>
-        <p:nvPr/>
-      </p:nvGrpSpPr>
-      <p:grpSpPr>
-        <a:xfrm>
-          <a:off x="0" y="0"/>
-          <a:ext cx="0" cy="0"/>
-          <a:chOff x="0" y="0"/>
-          <a:chExt cx="0" cy="0"/>
-        </a:xfrm>
-      </p:grpSpPr>
-      <p:pic>
-        <p:nvPicPr>
-          <p:cNvPr name="Picture 2" id="2"/>
-          <p:cNvPicPr>
-            <a:picLocks noChangeAspect="true"/>
-          </p:cNvPicPr>
-          <p:nvPr/>
-        </p:nvPicPr>
-        <p:blipFill>
-          <a:blip r:embed="rId2"/>
-          <a:srcRect l="0" t="0" r="0" b="0"/>
-          <a:stretch>
-            <a:fillRect/>
-          </a:stretch>
-        </p:blipFill>
-        <p:spPr>
-          <a:xfrm>
-            <a:off x="0" y="0"/>
-            <a:ext cx="18288000" cy="10287000"/>
-          </a:xfrm>
-          <a:prstGeom prst="rect">
-            <a:avLst/>
-          </a:prstGeom>
-        </p:spPr>
-      </p:pic>
-      <p:pic>
-        <p:nvPicPr>
-          <p:cNvPr name="Picture 3" id="3"/>
-          <p:cNvPicPr>
-            <a:picLocks noChangeAspect="true"/>
-          </p:cNvPicPr>
-          <p:nvPr/>
-        </p:nvPicPr>
-        <p:blipFill>
-          <a:blip r:embed="rId3"/>
-          <a:srcRect l="0" t="1275" r="3034" b="3827"/>
-          <a:stretch>
-            <a:fillRect/>
-          </a:stretch>
-        </p:blipFill>
-        <p:spPr>
-          <a:xfrm flipH="false" flipV="false" rot="0">
-            <a:off x="1028700" y="2232874"/>
-            <a:ext cx="6614668" cy="4738403"/>
-          </a:xfrm>
-          <a:prstGeom prst="rect">
-            <a:avLst/>
-          </a:prstGeom>
-        </p:spPr>
-      </p:pic>
-      <p:pic>
-        <p:nvPicPr>
-          <p:cNvPr name="Picture 4" id="4"/>
-          <p:cNvPicPr>
-            <a:picLocks noChangeAspect="true"/>
-          </p:cNvPicPr>
-          <p:nvPr/>
-        </p:nvPicPr>
-        <p:blipFill>
-          <a:blip r:embed="rId4"/>
-          <a:srcRect l="0" t="1966" r="0" b="0"/>
-          <a:stretch>
-            <a:fillRect/>
-          </a:stretch>
-        </p:blipFill>
-        <p:spPr>
-          <a:xfrm flipH="false" flipV="false" rot="0">
-            <a:off x="8275918" y="2721241"/>
-            <a:ext cx="8983382" cy="3968684"/>
-          </a:xfrm>
-          <a:prstGeom prst="rect">
-            <a:avLst/>
-          </a:prstGeom>
-        </p:spPr>
-      </p:pic>
-      <p:sp>
-        <p:nvSpPr>
-          <p:cNvPr name="TextBox 5" id="5"/>
-          <p:cNvSpPr txBox="true"/>
-          <p:nvPr/>
-        </p:nvSpPr>
-        <p:spPr>
-          <a:xfrm rot="0">
-            <a:off x="0" y="656447"/>
-            <a:ext cx="18288000" cy="1139190"/>
-          </a:xfrm>
-          <a:prstGeom prst="rect">
-            <a:avLst/>
-          </a:prstGeom>
-        </p:spPr>
-        <p:txBody>
-          <a:bodyPr anchor="t" rtlCol="false" tIns="0" lIns="0" bIns="0" rIns="0">
-            <a:spAutoFit/>
-          </a:bodyPr>
-          <a:lstStyle/>
-          <a:p>
-            <a:pPr algn="ctr">
-              <a:lnSpc>
-                <a:spcPts val="8880"/>
-              </a:lnSpc>
-            </a:pPr>
-            <a:r>
-              <a:rPr lang="en-US" sz="8000">
-                <a:solidFill>
-                  <a:srgbClr val="FFFFFF"/>
-                </a:solidFill>
-                <a:latin typeface="Saira Condensed Medium"/>
-              </a:rPr>
-              <a:t>Về phần mềm</a:t>
-            </a:r>
-          </a:p>
-        </p:txBody>
-      </p:sp>
-      <p:sp>
-        <p:nvSpPr>
-          <p:cNvPr name="TextBox 6" id="6"/>
-          <p:cNvSpPr txBox="true"/>
-          <p:nvPr/>
-        </p:nvSpPr>
-        <p:spPr>
-          <a:xfrm rot="0">
-            <a:off x="2603129" y="8218812"/>
-            <a:ext cx="13081741" cy="821766"/>
-          </a:xfrm>
-          <a:prstGeom prst="rect">
-            <a:avLst/>
-          </a:prstGeom>
-        </p:spPr>
-        <p:txBody>
-          <a:bodyPr anchor="t" rtlCol="false" tIns="0" lIns="0" bIns="0" rIns="0">
-            <a:spAutoFit/>
-          </a:bodyPr>
-          <a:lstStyle/>
-          <a:p>
-            <a:pPr algn="ctr">
-              <a:lnSpc>
-                <a:spcPts val="6352"/>
-              </a:lnSpc>
-            </a:pPr>
-            <a:r>
-              <a:rPr lang="en-US" sz="5722">
-                <a:solidFill>
-                  <a:srgbClr val="FFFFFF"/>
-                </a:solidFill>
-                <a:latin typeface="Saira Condensed Medium"/>
-              </a:rPr>
-              <a:t>Các chức năng chính của quản lí</a:t>
-            </a:r>
-          </a:p>
-        </p:txBody>
-      </p:sp>
-    </p:spTree>
-  </p:cSld>
-  <p:clrMapOvr>
-    <a:masterClrMapping/>
-  </p:clrMapOvr>
-</p:sld>
-</file>
-
 <file path=ppt/slides/slide9.xml><?xml version="1.0" encoding="utf-8"?>
 <p:sld xmlns:p="http://schemas.openxmlformats.org/presentationml/2006/main" xmlns:a="http://schemas.openxmlformats.org/drawingml/2006/main" xmlns:r="http://schemas.openxmlformats.org/officeDocument/2006/relationships">
   <p:cSld>
@@ -6367,15 +6704,15 @@
         </p:nvPicPr>
         <p:blipFill>
           <a:blip r:embed="rId3"/>
-          <a:srcRect l="11614" t="16462" r="11763" b="16673"/>
+          <a:srcRect l="0" t="590" r="0" b="0"/>
           <a:stretch>
             <a:fillRect/>
           </a:stretch>
         </p:blipFill>
         <p:spPr>
           <a:xfrm flipH="false" flipV="false" rot="0">
-            <a:off x="3403104" y="2175716"/>
-            <a:ext cx="11481792" cy="7082584"/>
+            <a:off x="3406358" y="1684168"/>
+            <a:ext cx="11475284" cy="8039570"/>
           </a:xfrm>
           <a:prstGeom prst="rect">
             <a:avLst/>
@@ -6390,7 +6727,7 @@
         </p:nvSpPr>
         <p:spPr>
           <a:xfrm rot="0">
-            <a:off x="0" y="656447"/>
+            <a:off x="0" y="353887"/>
             <a:ext cx="18288000" cy="1139190"/>
           </a:xfrm>
           <a:prstGeom prst="rect">

--- a/PBL3.pptx
+++ b/PBL3.pptx
@@ -20,6 +20,9 @@
     <p:sldId id="268" r:id="rId28"/>
     <p:sldId id="269" r:id="rId29"/>
     <p:sldId id="270" r:id="rId30"/>
+    <p:sldId id="271" r:id="rId31"/>
+    <p:sldId id="272" r:id="rId32"/>
+    <p:sldId id="273" r:id="rId33"/>
   </p:sldIdLst>
   <p:sldSz cx="18288000" cy="10287000"/>
   <p:notesSz cx="6858000" cy="9144000"/>
@@ -3730,55 +3733,30 @@
         </p:nvPicPr>
         <p:blipFill>
           <a:blip r:embed="rId3"/>
-          <a:srcRect l="0" t="1275" r="3034" b="3827"/>
+          <a:srcRect l="0" t="0" r="0" b="0"/>
           <a:stretch>
             <a:fillRect/>
           </a:stretch>
         </p:blipFill>
         <p:spPr>
           <a:xfrm flipH="false" flipV="false" rot="0">
-            <a:off x="1028700" y="2232874"/>
-            <a:ext cx="6614668" cy="4738403"/>
+            <a:off x="4319441" y="1493077"/>
+            <a:ext cx="9649117" cy="8312888"/>
           </a:xfrm>
           <a:prstGeom prst="rect">
             <a:avLst/>
           </a:prstGeom>
         </p:spPr>
       </p:pic>
-      <p:pic>
-        <p:nvPicPr>
-          <p:cNvPr name="Picture 4" id="4"/>
-          <p:cNvPicPr>
-            <a:picLocks noChangeAspect="true"/>
-          </p:cNvPicPr>
-          <p:nvPr/>
-        </p:nvPicPr>
-        <p:blipFill>
-          <a:blip r:embed="rId4"/>
-          <a:srcRect l="0" t="1966" r="0" b="0"/>
-          <a:stretch>
-            <a:fillRect/>
-          </a:stretch>
-        </p:blipFill>
-        <p:spPr>
-          <a:xfrm flipH="false" flipV="false" rot="0">
-            <a:off x="8275918" y="2721241"/>
-            <a:ext cx="8983382" cy="3968684"/>
-          </a:xfrm>
-          <a:prstGeom prst="rect">
-            <a:avLst/>
-          </a:prstGeom>
-        </p:spPr>
-      </p:pic>
-      <p:sp>
-        <p:nvSpPr>
-          <p:cNvPr name="TextBox 5" id="5"/>
+      <p:sp>
+        <p:nvSpPr>
+          <p:cNvPr name="TextBox 4" id="4"/>
           <p:cNvSpPr txBox="true"/>
           <p:nvPr/>
         </p:nvSpPr>
         <p:spPr>
           <a:xfrm rot="0">
-            <a:off x="0" y="656447"/>
+            <a:off x="0" y="353887"/>
             <a:ext cx="18288000" cy="1139190"/>
           </a:xfrm>
           <a:prstGeom prst="rect">
@@ -3804,44 +3782,6 @@
                 <a:latin typeface="Saira Condensed Medium"/>
               </a:rPr>
               <a:t>Về phần mềm</a:t>
-            </a:r>
-          </a:p>
-        </p:txBody>
-      </p:sp>
-      <p:sp>
-        <p:nvSpPr>
-          <p:cNvPr name="TextBox 6" id="6"/>
-          <p:cNvSpPr txBox="true"/>
-          <p:nvPr/>
-        </p:nvSpPr>
-        <p:spPr>
-          <a:xfrm rot="0">
-            <a:off x="2603129" y="8218812"/>
-            <a:ext cx="13081741" cy="821766"/>
-          </a:xfrm>
-          <a:prstGeom prst="rect">
-            <a:avLst/>
-          </a:prstGeom>
-        </p:spPr>
-        <p:txBody>
-          <a:bodyPr anchor="t" rtlCol="false" tIns="0" lIns="0" bIns="0" rIns="0">
-            <a:spAutoFit/>
-          </a:bodyPr>
-          <a:lstStyle/>
-          <a:p>
-            <a:pPr algn="ctr">
-              <a:lnSpc>
-                <a:spcPts val="6352"/>
-              </a:lnSpc>
-            </a:pPr>
-            <a:r>
-              <a:rPr lang="en-US" sz="5722">
-                <a:solidFill>
-                  <a:srgbClr val="FFFFFF"/>
-                </a:solidFill>
-                <a:latin typeface="Saira Condensed Medium"/>
-              </a:rPr>
-              <a:t>Các chức năng chính của quản lí</a:t>
             </a:r>
           </a:p>
         </p:txBody>
@@ -3906,15 +3846,15 @@
         </p:nvPicPr>
         <p:blipFill>
           <a:blip r:embed="rId3"/>
-          <a:srcRect l="11614" t="16462" r="11763" b="16673"/>
+          <a:srcRect l="0" t="590" r="0" b="0"/>
           <a:stretch>
             <a:fillRect/>
           </a:stretch>
         </p:blipFill>
         <p:spPr>
           <a:xfrm flipH="false" flipV="false" rot="0">
-            <a:off x="3403104" y="2175716"/>
-            <a:ext cx="11481792" cy="7082584"/>
+            <a:off x="3406358" y="1684168"/>
+            <a:ext cx="11475284" cy="8039570"/>
           </a:xfrm>
           <a:prstGeom prst="rect">
             <a:avLst/>
@@ -3929,7 +3869,7 @@
         </p:nvSpPr>
         <p:spPr>
           <a:xfrm rot="0">
-            <a:off x="0" y="656447"/>
+            <a:off x="0" y="353887"/>
             <a:ext cx="18288000" cy="1139190"/>
           </a:xfrm>
           <a:prstGeom prst="rect">
@@ -4019,15 +3959,15 @@
         </p:nvPicPr>
         <p:blipFill>
           <a:blip r:embed="rId3"/>
-          <a:srcRect l="0" t="0" r="0" b="46640"/>
+          <a:srcRect l="0" t="0" r="0" b="0"/>
           <a:stretch>
             <a:fillRect/>
           </a:stretch>
         </p:blipFill>
         <p:spPr>
           <a:xfrm flipH="false" flipV="false" rot="0">
-            <a:off x="1291844" y="2731580"/>
-            <a:ext cx="15704311" cy="5054471"/>
+            <a:off x="6015130" y="1493077"/>
+            <a:ext cx="6257740" cy="8130243"/>
           </a:xfrm>
           <a:prstGeom prst="rect">
             <a:avLst/>
@@ -4042,7 +3982,7 @@
         </p:nvSpPr>
         <p:spPr>
           <a:xfrm rot="0">
-            <a:off x="0" y="656447"/>
+            <a:off x="0" y="353887"/>
             <a:ext cx="18288000" cy="1139190"/>
           </a:xfrm>
           <a:prstGeom prst="rect">
@@ -4068,44 +4008,6 @@
                 <a:latin typeface="Saira Condensed Medium"/>
               </a:rPr>
               <a:t>Về phần mềm</a:t>
-            </a:r>
-          </a:p>
-        </p:txBody>
-      </p:sp>
-      <p:sp>
-        <p:nvSpPr>
-          <p:cNvPr name="TextBox 5" id="5"/>
-          <p:cNvSpPr txBox="true"/>
-          <p:nvPr/>
-        </p:nvSpPr>
-        <p:spPr>
-          <a:xfrm rot="0">
-            <a:off x="2603129" y="8218812"/>
-            <a:ext cx="13081741" cy="821766"/>
-          </a:xfrm>
-          <a:prstGeom prst="rect">
-            <a:avLst/>
-          </a:prstGeom>
-        </p:spPr>
-        <p:txBody>
-          <a:bodyPr anchor="t" rtlCol="false" tIns="0" lIns="0" bIns="0" rIns="0">
-            <a:spAutoFit/>
-          </a:bodyPr>
-          <a:lstStyle/>
-          <a:p>
-            <a:pPr algn="ctr">
-              <a:lnSpc>
-                <a:spcPts val="6352"/>
-              </a:lnSpc>
-            </a:pPr>
-            <a:r>
-              <a:rPr lang="en-US" sz="5722">
-                <a:solidFill>
-                  <a:srgbClr val="FFFFFF"/>
-                </a:solidFill>
-                <a:latin typeface="Saira Condensed Medium"/>
-              </a:rPr>
-              <a:t>Giao diện quản lí kho</a:t>
             </a:r>
           </a:p>
         </p:txBody>
@@ -4311,6 +4213,446 @@
           </a:prstGeom>
         </p:spPr>
       </p:pic>
+      <p:pic>
+        <p:nvPicPr>
+          <p:cNvPr name="Picture 3" id="3"/>
+          <p:cNvPicPr>
+            <a:picLocks noChangeAspect="true"/>
+          </p:cNvPicPr>
+          <p:nvPr/>
+        </p:nvPicPr>
+        <p:blipFill>
+          <a:blip r:embed="rId3"/>
+          <a:srcRect l="0" t="1275" r="3034" b="3827"/>
+          <a:stretch>
+            <a:fillRect/>
+          </a:stretch>
+        </p:blipFill>
+        <p:spPr>
+          <a:xfrm flipH="false" flipV="false" rot="0">
+            <a:off x="1028700" y="2232874"/>
+            <a:ext cx="6614668" cy="4738403"/>
+          </a:xfrm>
+          <a:prstGeom prst="rect">
+            <a:avLst/>
+          </a:prstGeom>
+        </p:spPr>
+      </p:pic>
+      <p:pic>
+        <p:nvPicPr>
+          <p:cNvPr name="Picture 4" id="4"/>
+          <p:cNvPicPr>
+            <a:picLocks noChangeAspect="true"/>
+          </p:cNvPicPr>
+          <p:nvPr/>
+        </p:nvPicPr>
+        <p:blipFill>
+          <a:blip r:embed="rId4"/>
+          <a:srcRect l="0" t="1966" r="0" b="0"/>
+          <a:stretch>
+            <a:fillRect/>
+          </a:stretch>
+        </p:blipFill>
+        <p:spPr>
+          <a:xfrm flipH="false" flipV="false" rot="0">
+            <a:off x="8275918" y="2721241"/>
+            <a:ext cx="8983382" cy="3968684"/>
+          </a:xfrm>
+          <a:prstGeom prst="rect">
+            <a:avLst/>
+          </a:prstGeom>
+        </p:spPr>
+      </p:pic>
+      <p:sp>
+        <p:nvSpPr>
+          <p:cNvPr name="TextBox 5" id="5"/>
+          <p:cNvSpPr txBox="true"/>
+          <p:nvPr/>
+        </p:nvSpPr>
+        <p:spPr>
+          <a:xfrm rot="0">
+            <a:off x="0" y="656447"/>
+            <a:ext cx="18288000" cy="1139190"/>
+          </a:xfrm>
+          <a:prstGeom prst="rect">
+            <a:avLst/>
+          </a:prstGeom>
+        </p:spPr>
+        <p:txBody>
+          <a:bodyPr anchor="t" rtlCol="false" tIns="0" lIns="0" bIns="0" rIns="0">
+            <a:spAutoFit/>
+          </a:bodyPr>
+          <a:lstStyle/>
+          <a:p>
+            <a:pPr algn="ctr">
+              <a:lnSpc>
+                <a:spcPts val="8880"/>
+              </a:lnSpc>
+            </a:pPr>
+            <a:r>
+              <a:rPr lang="en-US" sz="8000">
+                <a:solidFill>
+                  <a:srgbClr val="FFFFFF"/>
+                </a:solidFill>
+                <a:latin typeface="Saira Condensed Medium"/>
+              </a:rPr>
+              <a:t>Về phần mềm</a:t>
+            </a:r>
+          </a:p>
+        </p:txBody>
+      </p:sp>
+      <p:sp>
+        <p:nvSpPr>
+          <p:cNvPr name="TextBox 6" id="6"/>
+          <p:cNvSpPr txBox="true"/>
+          <p:nvPr/>
+        </p:nvSpPr>
+        <p:spPr>
+          <a:xfrm rot="0">
+            <a:off x="2603129" y="8218812"/>
+            <a:ext cx="13081741" cy="821766"/>
+          </a:xfrm>
+          <a:prstGeom prst="rect">
+            <a:avLst/>
+          </a:prstGeom>
+        </p:spPr>
+        <p:txBody>
+          <a:bodyPr anchor="t" rtlCol="false" tIns="0" lIns="0" bIns="0" rIns="0">
+            <a:spAutoFit/>
+          </a:bodyPr>
+          <a:lstStyle/>
+          <a:p>
+            <a:pPr algn="ctr">
+              <a:lnSpc>
+                <a:spcPts val="6352"/>
+              </a:lnSpc>
+            </a:pPr>
+            <a:r>
+              <a:rPr lang="en-US" sz="5722">
+                <a:solidFill>
+                  <a:srgbClr val="FFFFFF"/>
+                </a:solidFill>
+                <a:latin typeface="Saira Condensed Medium"/>
+              </a:rPr>
+              <a:t>Các chức năng chính của quản lí</a:t>
+            </a:r>
+          </a:p>
+        </p:txBody>
+      </p:sp>
+    </p:spTree>
+  </p:cSld>
+  <p:clrMapOvr>
+    <a:masterClrMapping/>
+  </p:clrMapOvr>
+</p:sld>
+</file>
+
+<file path=ppt/slides/slide15.xml><?xml version="1.0" encoding="utf-8"?>
+<p:sld xmlns:p="http://schemas.openxmlformats.org/presentationml/2006/main" xmlns:a="http://schemas.openxmlformats.org/drawingml/2006/main" xmlns:r="http://schemas.openxmlformats.org/officeDocument/2006/relationships">
+  <p:cSld>
+    <p:spTree>
+      <p:nvGrpSpPr>
+        <p:cNvPr id="1" name=""/>
+        <p:cNvGrpSpPr/>
+        <p:nvPr/>
+      </p:nvGrpSpPr>
+      <p:grpSpPr>
+        <a:xfrm>
+          <a:off x="0" y="0"/>
+          <a:ext cx="0" cy="0"/>
+          <a:chOff x="0" y="0"/>
+          <a:chExt cx="0" cy="0"/>
+        </a:xfrm>
+      </p:grpSpPr>
+      <p:pic>
+        <p:nvPicPr>
+          <p:cNvPr name="Picture 2" id="2"/>
+          <p:cNvPicPr>
+            <a:picLocks noChangeAspect="true"/>
+          </p:cNvPicPr>
+          <p:nvPr/>
+        </p:nvPicPr>
+        <p:blipFill>
+          <a:blip r:embed="rId2"/>
+          <a:srcRect l="0" t="0" r="0" b="0"/>
+          <a:stretch>
+            <a:fillRect/>
+          </a:stretch>
+        </p:blipFill>
+        <p:spPr>
+          <a:xfrm>
+            <a:off x="0" y="0"/>
+            <a:ext cx="18288000" cy="10287000"/>
+          </a:xfrm>
+          <a:prstGeom prst="rect">
+            <a:avLst/>
+          </a:prstGeom>
+        </p:spPr>
+      </p:pic>
+      <p:pic>
+        <p:nvPicPr>
+          <p:cNvPr name="Picture 3" id="3"/>
+          <p:cNvPicPr>
+            <a:picLocks noChangeAspect="true"/>
+          </p:cNvPicPr>
+          <p:nvPr/>
+        </p:nvPicPr>
+        <p:blipFill>
+          <a:blip r:embed="rId3"/>
+          <a:srcRect l="11614" t="16462" r="11763" b="16673"/>
+          <a:stretch>
+            <a:fillRect/>
+          </a:stretch>
+        </p:blipFill>
+        <p:spPr>
+          <a:xfrm flipH="false" flipV="false" rot="0">
+            <a:off x="3403104" y="2175716"/>
+            <a:ext cx="11481792" cy="7082584"/>
+          </a:xfrm>
+          <a:prstGeom prst="rect">
+            <a:avLst/>
+          </a:prstGeom>
+        </p:spPr>
+      </p:pic>
+      <p:sp>
+        <p:nvSpPr>
+          <p:cNvPr name="TextBox 4" id="4"/>
+          <p:cNvSpPr txBox="true"/>
+          <p:nvPr/>
+        </p:nvSpPr>
+        <p:spPr>
+          <a:xfrm rot="0">
+            <a:off x="0" y="656447"/>
+            <a:ext cx="18288000" cy="1139190"/>
+          </a:xfrm>
+          <a:prstGeom prst="rect">
+            <a:avLst/>
+          </a:prstGeom>
+        </p:spPr>
+        <p:txBody>
+          <a:bodyPr anchor="t" rtlCol="false" tIns="0" lIns="0" bIns="0" rIns="0">
+            <a:spAutoFit/>
+          </a:bodyPr>
+          <a:lstStyle/>
+          <a:p>
+            <a:pPr algn="ctr">
+              <a:lnSpc>
+                <a:spcPts val="8880"/>
+              </a:lnSpc>
+            </a:pPr>
+            <a:r>
+              <a:rPr lang="en-US" sz="8000">
+                <a:solidFill>
+                  <a:srgbClr val="FFFFFF"/>
+                </a:solidFill>
+                <a:latin typeface="Saira Condensed Medium"/>
+              </a:rPr>
+              <a:t>Về phần mềm</a:t>
+            </a:r>
+          </a:p>
+        </p:txBody>
+      </p:sp>
+    </p:spTree>
+  </p:cSld>
+  <p:clrMapOvr>
+    <a:masterClrMapping/>
+  </p:clrMapOvr>
+</p:sld>
+</file>
+
+<file path=ppt/slides/slide16.xml><?xml version="1.0" encoding="utf-8"?>
+<p:sld xmlns:p="http://schemas.openxmlformats.org/presentationml/2006/main" xmlns:a="http://schemas.openxmlformats.org/drawingml/2006/main" xmlns:r="http://schemas.openxmlformats.org/officeDocument/2006/relationships">
+  <p:cSld>
+    <p:spTree>
+      <p:nvGrpSpPr>
+        <p:cNvPr id="1" name=""/>
+        <p:cNvGrpSpPr/>
+        <p:nvPr/>
+      </p:nvGrpSpPr>
+      <p:grpSpPr>
+        <a:xfrm>
+          <a:off x="0" y="0"/>
+          <a:ext cx="0" cy="0"/>
+          <a:chOff x="0" y="0"/>
+          <a:chExt cx="0" cy="0"/>
+        </a:xfrm>
+      </p:grpSpPr>
+      <p:pic>
+        <p:nvPicPr>
+          <p:cNvPr name="Picture 2" id="2"/>
+          <p:cNvPicPr>
+            <a:picLocks noChangeAspect="true"/>
+          </p:cNvPicPr>
+          <p:nvPr/>
+        </p:nvPicPr>
+        <p:blipFill>
+          <a:blip r:embed="rId2"/>
+          <a:srcRect l="0" t="0" r="0" b="0"/>
+          <a:stretch>
+            <a:fillRect/>
+          </a:stretch>
+        </p:blipFill>
+        <p:spPr>
+          <a:xfrm>
+            <a:off x="0" y="0"/>
+            <a:ext cx="18288000" cy="10287000"/>
+          </a:xfrm>
+          <a:prstGeom prst="rect">
+            <a:avLst/>
+          </a:prstGeom>
+        </p:spPr>
+      </p:pic>
+      <p:pic>
+        <p:nvPicPr>
+          <p:cNvPr name="Picture 3" id="3"/>
+          <p:cNvPicPr>
+            <a:picLocks noChangeAspect="true"/>
+          </p:cNvPicPr>
+          <p:nvPr/>
+        </p:nvPicPr>
+        <p:blipFill>
+          <a:blip r:embed="rId3"/>
+          <a:srcRect l="0" t="0" r="0" b="46640"/>
+          <a:stretch>
+            <a:fillRect/>
+          </a:stretch>
+        </p:blipFill>
+        <p:spPr>
+          <a:xfrm flipH="false" flipV="false" rot="0">
+            <a:off x="1291844" y="2731580"/>
+            <a:ext cx="15704311" cy="5054471"/>
+          </a:xfrm>
+          <a:prstGeom prst="rect">
+            <a:avLst/>
+          </a:prstGeom>
+        </p:spPr>
+      </p:pic>
+      <p:sp>
+        <p:nvSpPr>
+          <p:cNvPr name="TextBox 4" id="4"/>
+          <p:cNvSpPr txBox="true"/>
+          <p:nvPr/>
+        </p:nvSpPr>
+        <p:spPr>
+          <a:xfrm rot="0">
+            <a:off x="0" y="656447"/>
+            <a:ext cx="18288000" cy="1139190"/>
+          </a:xfrm>
+          <a:prstGeom prst="rect">
+            <a:avLst/>
+          </a:prstGeom>
+        </p:spPr>
+        <p:txBody>
+          <a:bodyPr anchor="t" rtlCol="false" tIns="0" lIns="0" bIns="0" rIns="0">
+            <a:spAutoFit/>
+          </a:bodyPr>
+          <a:lstStyle/>
+          <a:p>
+            <a:pPr algn="ctr">
+              <a:lnSpc>
+                <a:spcPts val="8880"/>
+              </a:lnSpc>
+            </a:pPr>
+            <a:r>
+              <a:rPr lang="en-US" sz="8000">
+                <a:solidFill>
+                  <a:srgbClr val="FFFFFF"/>
+                </a:solidFill>
+                <a:latin typeface="Saira Condensed Medium"/>
+              </a:rPr>
+              <a:t>Về phần mềm</a:t>
+            </a:r>
+          </a:p>
+        </p:txBody>
+      </p:sp>
+      <p:sp>
+        <p:nvSpPr>
+          <p:cNvPr name="TextBox 5" id="5"/>
+          <p:cNvSpPr txBox="true"/>
+          <p:nvPr/>
+        </p:nvSpPr>
+        <p:spPr>
+          <a:xfrm rot="0">
+            <a:off x="2603129" y="8218812"/>
+            <a:ext cx="13081741" cy="821766"/>
+          </a:xfrm>
+          <a:prstGeom prst="rect">
+            <a:avLst/>
+          </a:prstGeom>
+        </p:spPr>
+        <p:txBody>
+          <a:bodyPr anchor="t" rtlCol="false" tIns="0" lIns="0" bIns="0" rIns="0">
+            <a:spAutoFit/>
+          </a:bodyPr>
+          <a:lstStyle/>
+          <a:p>
+            <a:pPr algn="ctr">
+              <a:lnSpc>
+                <a:spcPts val="6352"/>
+              </a:lnSpc>
+            </a:pPr>
+            <a:r>
+              <a:rPr lang="en-US" sz="5722">
+                <a:solidFill>
+                  <a:srgbClr val="FFFFFF"/>
+                </a:solidFill>
+                <a:latin typeface="Saira Condensed Medium"/>
+              </a:rPr>
+              <a:t>Giao diện quản lí kho</a:t>
+            </a:r>
+          </a:p>
+        </p:txBody>
+      </p:sp>
+    </p:spTree>
+  </p:cSld>
+  <p:clrMapOvr>
+    <a:masterClrMapping/>
+  </p:clrMapOvr>
+</p:sld>
+</file>
+
+<file path=ppt/slides/slide17.xml><?xml version="1.0" encoding="utf-8"?>
+<p:sld xmlns:p="http://schemas.openxmlformats.org/presentationml/2006/main" xmlns:a="http://schemas.openxmlformats.org/drawingml/2006/main" xmlns:r="http://schemas.openxmlformats.org/officeDocument/2006/relationships">
+  <p:cSld>
+    <p:spTree>
+      <p:nvGrpSpPr>
+        <p:cNvPr id="1" name=""/>
+        <p:cNvGrpSpPr/>
+        <p:nvPr/>
+      </p:nvGrpSpPr>
+      <p:grpSpPr>
+        <a:xfrm>
+          <a:off x="0" y="0"/>
+          <a:ext cx="0" cy="0"/>
+          <a:chOff x="0" y="0"/>
+          <a:chExt cx="0" cy="0"/>
+        </a:xfrm>
+      </p:grpSpPr>
+      <p:pic>
+        <p:nvPicPr>
+          <p:cNvPr name="Picture 2" id="2"/>
+          <p:cNvPicPr>
+            <a:picLocks noChangeAspect="true"/>
+          </p:cNvPicPr>
+          <p:nvPr/>
+        </p:nvPicPr>
+        <p:blipFill>
+          <a:blip r:embed="rId2"/>
+          <a:srcRect l="0" t="0" r="0" b="0"/>
+          <a:stretch>
+            <a:fillRect/>
+          </a:stretch>
+        </p:blipFill>
+        <p:spPr>
+          <a:xfrm>
+            <a:off x="0" y="0"/>
+            <a:ext cx="18288000" cy="10287000"/>
+          </a:xfrm>
+          <a:prstGeom prst="rect">
+            <a:avLst/>
+          </a:prstGeom>
+        </p:spPr>
+      </p:pic>
       <p:sp>
         <p:nvSpPr>
           <p:cNvPr name="AutoShape 3" id="3"/>
@@ -4567,7 +4909,7 @@
 </p:sld>
 </file>
 
-<file path=ppt/slides/slide15.xml><?xml version="1.0" encoding="utf-8"?>
+<file path=ppt/slides/slide18.xml><?xml version="1.0" encoding="utf-8"?>
 <p:sld xmlns:p="http://schemas.openxmlformats.org/presentationml/2006/main" xmlns:a="http://schemas.openxmlformats.org/drawingml/2006/main" xmlns:r="http://schemas.openxmlformats.org/officeDocument/2006/relationships">
   <p:cSld>
     <p:spTree>

--- a/PBL3.pptx
+++ b/PBL3.pptx
@@ -23,6 +23,7 @@
     <p:sldId id="271" r:id="rId31"/>
     <p:sldId id="272" r:id="rId32"/>
     <p:sldId id="273" r:id="rId33"/>
+    <p:sldId id="274" r:id="rId34"/>
   </p:sldIdLst>
   <p:sldSz cx="18288000" cy="10287000"/>
   <p:notesSz cx="6858000" cy="9144000"/>
@@ -4655,6 +4656,94 @@
       </p:pic>
       <p:sp>
         <p:nvSpPr>
+          <p:cNvPr name="TextBox 3" id="3"/>
+          <p:cNvSpPr txBox="true"/>
+          <p:nvPr/>
+        </p:nvSpPr>
+        <p:spPr>
+          <a:xfrm rot="0">
+            <a:off x="0" y="4471988"/>
+            <a:ext cx="18288000" cy="1428750"/>
+          </a:xfrm>
+          <a:prstGeom prst="rect">
+            <a:avLst/>
+          </a:prstGeom>
+        </p:spPr>
+        <p:txBody>
+          <a:bodyPr anchor="t" rtlCol="false" tIns="0" lIns="0" bIns="0" rIns="0">
+            <a:spAutoFit/>
+          </a:bodyPr>
+          <a:lstStyle/>
+          <a:p>
+            <a:pPr algn="ctr">
+              <a:lnSpc>
+                <a:spcPts val="11099"/>
+              </a:lnSpc>
+            </a:pPr>
+            <a:r>
+              <a:rPr lang="en-US" sz="9999">
+                <a:solidFill>
+                  <a:srgbClr val="FFFFFF"/>
+                </a:solidFill>
+                <a:latin typeface="Saira Condensed Medium"/>
+              </a:rPr>
+              <a:t>Demo code</a:t>
+            </a:r>
+          </a:p>
+        </p:txBody>
+      </p:sp>
+    </p:spTree>
+  </p:cSld>
+  <p:clrMapOvr>
+    <a:masterClrMapping/>
+  </p:clrMapOvr>
+</p:sld>
+</file>
+
+<file path=ppt/slides/slide18.xml><?xml version="1.0" encoding="utf-8"?>
+<p:sld xmlns:p="http://schemas.openxmlformats.org/presentationml/2006/main" xmlns:a="http://schemas.openxmlformats.org/drawingml/2006/main" xmlns:r="http://schemas.openxmlformats.org/officeDocument/2006/relationships">
+  <p:cSld>
+    <p:spTree>
+      <p:nvGrpSpPr>
+        <p:cNvPr id="1" name=""/>
+        <p:cNvGrpSpPr/>
+        <p:nvPr/>
+      </p:nvGrpSpPr>
+      <p:grpSpPr>
+        <a:xfrm>
+          <a:off x="0" y="0"/>
+          <a:ext cx="0" cy="0"/>
+          <a:chOff x="0" y="0"/>
+          <a:chExt cx="0" cy="0"/>
+        </a:xfrm>
+      </p:grpSpPr>
+      <p:pic>
+        <p:nvPicPr>
+          <p:cNvPr name="Picture 2" id="2"/>
+          <p:cNvPicPr>
+            <a:picLocks noChangeAspect="true"/>
+          </p:cNvPicPr>
+          <p:nvPr/>
+        </p:nvPicPr>
+        <p:blipFill>
+          <a:blip r:embed="rId2"/>
+          <a:srcRect l="0" t="0" r="0" b="0"/>
+          <a:stretch>
+            <a:fillRect/>
+          </a:stretch>
+        </p:blipFill>
+        <p:spPr>
+          <a:xfrm>
+            <a:off x="0" y="0"/>
+            <a:ext cx="18288000" cy="10287000"/>
+          </a:xfrm>
+          <a:prstGeom prst="rect">
+            <a:avLst/>
+          </a:prstGeom>
+        </p:spPr>
+      </p:pic>
+      <p:sp>
+        <p:nvSpPr>
           <p:cNvPr name="AutoShape 3" id="3"/>
           <p:cNvSpPr/>
           <p:nvPr/>
@@ -4909,7 +4998,7 @@
 </p:sld>
 </file>
 
-<file path=ppt/slides/slide18.xml><?xml version="1.0" encoding="utf-8"?>
+<file path=ppt/slides/slide19.xml><?xml version="1.0" encoding="utf-8"?>
 <p:sld xmlns:p="http://schemas.openxmlformats.org/presentationml/2006/main" xmlns:a="http://schemas.openxmlformats.org/drawingml/2006/main" xmlns:r="http://schemas.openxmlformats.org/officeDocument/2006/relationships">
   <p:cSld>
     <p:spTree>
